--- a/bpdmo_greedy .pptx
+++ b/bpdmo_greedy .pptx
@@ -203,7 +203,6 @@
           </a:p>
         </c:rich>
       </c:tx>
-      <c:layout/>
       <c:overlay val="0"/>
       <c:spPr>
         <a:noFill/>
@@ -572,11 +571,11 @@
           <c:showBubbleSize val="0"/>
         </c:dLbls>
         <c:smooth val="0"/>
-        <c:axId val="466916064"/>
-        <c:axId val="466916848"/>
+        <c:axId val="356554232"/>
+        <c:axId val="356556584"/>
       </c:lineChart>
       <c:catAx>
-        <c:axId val="466916064"/>
+        <c:axId val="356554232"/>
         <c:scaling>
           <c:orientation val="minMax"/>
         </c:scaling>
@@ -623,7 +622,7 @@
             <a:endParaRPr lang="es-ES"/>
           </a:p>
         </c:txPr>
-        <c:crossAx val="466916848"/>
+        <c:crossAx val="356556584"/>
         <c:crosses val="autoZero"/>
         <c:auto val="1"/>
         <c:lblAlgn val="ctr"/>
@@ -631,7 +630,7 @@
         <c:noMultiLvlLbl val="0"/>
       </c:catAx>
       <c:valAx>
-        <c:axId val="466916848"/>
+        <c:axId val="356556584"/>
         <c:scaling>
           <c:orientation val="minMax"/>
         </c:scaling>
@@ -687,7 +686,7 @@
             <a:endParaRPr lang="es-ES"/>
           </a:p>
         </c:txPr>
-        <c:crossAx val="466916064"/>
+        <c:crossAx val="356554232"/>
         <c:crosses val="autoZero"/>
         <c:crossBetween val="between"/>
       </c:valAx>
@@ -701,7 +700,6 @@
     </c:plotArea>
     <c:legend>
       <c:legendPos val="b"/>
-      <c:layout/>
       <c:overlay val="0"/>
       <c:spPr>
         <a:noFill/>
@@ -809,7 +807,6 @@
           </a:p>
         </c:rich>
       </c:tx>
-      <c:layout/>
       <c:overlay val="0"/>
       <c:spPr>
         <a:noFill/>
@@ -1178,11 +1175,11 @@
           <c:showBubbleSize val="0"/>
         </c:dLbls>
         <c:smooth val="0"/>
-        <c:axId val="466919984"/>
-        <c:axId val="466920376"/>
+        <c:axId val="356565600"/>
+        <c:axId val="469448752"/>
       </c:lineChart>
       <c:catAx>
-        <c:axId val="466919984"/>
+        <c:axId val="356565600"/>
         <c:scaling>
           <c:orientation val="minMax"/>
         </c:scaling>
@@ -1229,7 +1226,7 @@
             <a:endParaRPr lang="es-ES"/>
           </a:p>
         </c:txPr>
-        <c:crossAx val="466920376"/>
+        <c:crossAx val="469448752"/>
         <c:crosses val="autoZero"/>
         <c:auto val="1"/>
         <c:lblAlgn val="ctr"/>
@@ -1237,7 +1234,7 @@
         <c:noMultiLvlLbl val="0"/>
       </c:catAx>
       <c:valAx>
-        <c:axId val="466920376"/>
+        <c:axId val="469448752"/>
         <c:scaling>
           <c:orientation val="minMax"/>
         </c:scaling>
@@ -1293,7 +1290,7 @@
             <a:endParaRPr lang="es-ES"/>
           </a:p>
         </c:txPr>
-        <c:crossAx val="466919984"/>
+        <c:crossAx val="356565600"/>
         <c:crosses val="autoZero"/>
         <c:crossBetween val="between"/>
       </c:valAx>
@@ -1307,7 +1304,6 @@
     </c:plotArea>
     <c:legend>
       <c:legendPos val="b"/>
-      <c:layout/>
       <c:overlay val="0"/>
       <c:spPr>
         <a:noFill/>
@@ -1471,7 +1467,6 @@
           </a:p>
         </c:rich>
       </c:tx>
-      <c:layout/>
       <c:overlay val="0"/>
       <c:spPr>
         <a:noFill/>
@@ -1840,11 +1835,11 @@
           <c:showBubbleSize val="0"/>
         </c:dLbls>
         <c:smooth val="0"/>
-        <c:axId val="317555832"/>
-        <c:axId val="317556224"/>
+        <c:axId val="469445616"/>
+        <c:axId val="469448360"/>
       </c:lineChart>
       <c:catAx>
-        <c:axId val="317555832"/>
+        <c:axId val="469445616"/>
         <c:scaling>
           <c:orientation val="minMax"/>
         </c:scaling>
@@ -1891,7 +1886,7 @@
             <a:endParaRPr lang="es-ES"/>
           </a:p>
         </c:txPr>
-        <c:crossAx val="317556224"/>
+        <c:crossAx val="469448360"/>
         <c:crosses val="autoZero"/>
         <c:auto val="1"/>
         <c:lblAlgn val="ctr"/>
@@ -1899,7 +1894,7 @@
         <c:noMultiLvlLbl val="0"/>
       </c:catAx>
       <c:valAx>
-        <c:axId val="317556224"/>
+        <c:axId val="469448360"/>
         <c:scaling>
           <c:orientation val="minMax"/>
         </c:scaling>
@@ -1955,7 +1950,7 @@
             <a:endParaRPr lang="es-ES"/>
           </a:p>
         </c:txPr>
-        <c:crossAx val="317555832"/>
+        <c:crossAx val="469445616"/>
         <c:crosses val="autoZero"/>
         <c:crossBetween val="between"/>
       </c:valAx>
@@ -1969,7 +1964,6 @@
     </c:plotArea>
     <c:legend>
       <c:legendPos val="b"/>
-      <c:layout/>
       <c:overlay val="0"/>
       <c:spPr>
         <a:noFill/>
@@ -2080,7 +2074,6 @@
           </a:p>
         </c:rich>
       </c:tx>
-      <c:layout/>
       <c:overlay val="0"/>
       <c:spPr>
         <a:noFill/>
@@ -2449,11 +2442,11 @@
           <c:showBubbleSize val="0"/>
         </c:dLbls>
         <c:smooth val="0"/>
-        <c:axId val="466918808"/>
-        <c:axId val="467201640"/>
+        <c:axId val="469449928"/>
+        <c:axId val="469447576"/>
       </c:lineChart>
       <c:catAx>
-        <c:axId val="466918808"/>
+        <c:axId val="469449928"/>
         <c:scaling>
           <c:orientation val="minMax"/>
         </c:scaling>
@@ -2500,7 +2493,7 @@
             <a:endParaRPr lang="es-ES"/>
           </a:p>
         </c:txPr>
-        <c:crossAx val="467201640"/>
+        <c:crossAx val="469447576"/>
         <c:crosses val="autoZero"/>
         <c:auto val="1"/>
         <c:lblAlgn val="ctr"/>
@@ -2508,7 +2501,7 @@
         <c:noMultiLvlLbl val="0"/>
       </c:catAx>
       <c:valAx>
-        <c:axId val="467201640"/>
+        <c:axId val="469447576"/>
         <c:scaling>
           <c:orientation val="minMax"/>
         </c:scaling>
@@ -2564,7 +2557,7 @@
             <a:endParaRPr lang="es-ES"/>
           </a:p>
         </c:txPr>
-        <c:crossAx val="466918808"/>
+        <c:crossAx val="469449928"/>
         <c:crosses val="autoZero"/>
         <c:crossBetween val="between"/>
       </c:valAx>
@@ -2578,7 +2571,6 @@
     </c:plotArea>
     <c:legend>
       <c:legendPos val="b"/>
-      <c:layout/>
       <c:overlay val="0"/>
       <c:spPr>
         <a:noFill/>
@@ -2686,7 +2678,6 @@
           </a:p>
         </c:rich>
       </c:tx>
-      <c:layout/>
       <c:overlay val="0"/>
       <c:spPr>
         <a:noFill/>
@@ -3055,11 +3046,11 @@
           <c:showBubbleSize val="0"/>
         </c:dLbls>
         <c:smooth val="0"/>
-        <c:axId val="467201248"/>
-        <c:axId val="467202032"/>
+        <c:axId val="469447968"/>
+        <c:axId val="469449144"/>
       </c:lineChart>
       <c:catAx>
-        <c:axId val="467201248"/>
+        <c:axId val="469447968"/>
         <c:scaling>
           <c:orientation val="minMax"/>
         </c:scaling>
@@ -3106,7 +3097,7 @@
             <a:endParaRPr lang="es-ES"/>
           </a:p>
         </c:txPr>
-        <c:crossAx val="467202032"/>
+        <c:crossAx val="469449144"/>
         <c:crosses val="autoZero"/>
         <c:auto val="1"/>
         <c:lblAlgn val="ctr"/>
@@ -3114,7 +3105,7 @@
         <c:noMultiLvlLbl val="0"/>
       </c:catAx>
       <c:valAx>
-        <c:axId val="467202032"/>
+        <c:axId val="469449144"/>
         <c:scaling>
           <c:orientation val="minMax"/>
         </c:scaling>
@@ -3170,7 +3161,7 @@
             <a:endParaRPr lang="es-ES"/>
           </a:p>
         </c:txPr>
-        <c:crossAx val="467201248"/>
+        <c:crossAx val="469447968"/>
         <c:crosses val="autoZero"/>
         <c:crossBetween val="between"/>
       </c:valAx>
@@ -3184,7 +3175,6 @@
     </c:plotArea>
     <c:legend>
       <c:legendPos val="b"/>
-      <c:layout/>
       <c:overlay val="0"/>
       <c:spPr>
         <a:noFill/>
@@ -3293,7 +3283,6 @@
           </a:p>
         </c:rich>
       </c:tx>
-      <c:layout/>
       <c:overlay val="0"/>
       <c:spPr>
         <a:noFill/>
@@ -3662,11 +3651,11 @@
           <c:showBubbleSize val="0"/>
         </c:dLbls>
         <c:smooth val="0"/>
-        <c:axId val="466917632"/>
-        <c:axId val="467202816"/>
+        <c:axId val="469443264"/>
+        <c:axId val="469447184"/>
       </c:lineChart>
       <c:catAx>
-        <c:axId val="466917632"/>
+        <c:axId val="469443264"/>
         <c:scaling>
           <c:orientation val="minMax"/>
         </c:scaling>
@@ -3713,7 +3702,7 @@
             <a:endParaRPr lang="es-ES"/>
           </a:p>
         </c:txPr>
-        <c:crossAx val="467202816"/>
+        <c:crossAx val="469447184"/>
         <c:crosses val="autoZero"/>
         <c:auto val="1"/>
         <c:lblAlgn val="ctr"/>
@@ -3721,7 +3710,7 @@
         <c:noMultiLvlLbl val="0"/>
       </c:catAx>
       <c:valAx>
-        <c:axId val="467202816"/>
+        <c:axId val="469447184"/>
         <c:scaling>
           <c:orientation val="minMax"/>
         </c:scaling>
@@ -3777,7 +3766,7 @@
             <a:endParaRPr lang="es-ES"/>
           </a:p>
         </c:txPr>
-        <c:crossAx val="466917632"/>
+        <c:crossAx val="469443264"/>
         <c:crosses val="autoZero"/>
         <c:crossBetween val="between"/>
       </c:valAx>
@@ -3791,7 +3780,6 @@
     </c:plotArea>
     <c:legend>
       <c:legendPos val="b"/>
-      <c:layout/>
       <c:overlay val="0"/>
       <c:spPr>
         <a:noFill/>
@@ -3899,7 +3887,6 @@
           </a:p>
         </c:rich>
       </c:tx>
-      <c:layout/>
       <c:overlay val="0"/>
       <c:spPr>
         <a:noFill/>
@@ -4748,11 +4735,11 @@
           <c:showBubbleSize val="0"/>
         </c:dLbls>
         <c:smooth val="0"/>
-        <c:axId val="468930600"/>
-        <c:axId val="468932952"/>
+        <c:axId val="469443656"/>
+        <c:axId val="469444048"/>
       </c:lineChart>
       <c:catAx>
-        <c:axId val="468930600"/>
+        <c:axId val="469443656"/>
         <c:scaling>
           <c:orientation val="minMax"/>
         </c:scaling>
@@ -4799,7 +4786,7 @@
             <a:endParaRPr lang="es-ES"/>
           </a:p>
         </c:txPr>
-        <c:crossAx val="468932952"/>
+        <c:crossAx val="469444048"/>
         <c:crosses val="autoZero"/>
         <c:auto val="1"/>
         <c:lblAlgn val="ctr"/>
@@ -4807,7 +4794,7 @@
         <c:noMultiLvlLbl val="0"/>
       </c:catAx>
       <c:valAx>
-        <c:axId val="468932952"/>
+        <c:axId val="469444048"/>
         <c:scaling>
           <c:orientation val="minMax"/>
         </c:scaling>
@@ -4863,7 +4850,7 @@
             <a:endParaRPr lang="es-ES"/>
           </a:p>
         </c:txPr>
-        <c:crossAx val="468930600"/>
+        <c:crossAx val="469443656"/>
         <c:crosses val="autoZero"/>
         <c:crossBetween val="between"/>
       </c:valAx>
@@ -4877,7 +4864,6 @@
     </c:plotArea>
     <c:legend>
       <c:legendPos val="b"/>
-      <c:layout/>
       <c:overlay val="0"/>
       <c:spPr>
         <a:noFill/>
@@ -4985,7 +4971,6 @@
           </a:p>
         </c:rich>
       </c:tx>
-      <c:layout/>
       <c:overlay val="0"/>
       <c:spPr>
         <a:noFill/>
@@ -5837,11 +5822,11 @@
           <c:showBubbleSize val="0"/>
         </c:dLbls>
         <c:smooth val="0"/>
-        <c:axId val="468936088"/>
-        <c:axId val="468935304"/>
+        <c:axId val="356557368"/>
+        <c:axId val="356557760"/>
       </c:lineChart>
       <c:catAx>
-        <c:axId val="468936088"/>
+        <c:axId val="356557368"/>
         <c:scaling>
           <c:orientation val="minMax"/>
         </c:scaling>
@@ -5888,7 +5873,7 @@
             <a:endParaRPr lang="es-ES"/>
           </a:p>
         </c:txPr>
-        <c:crossAx val="468935304"/>
+        <c:crossAx val="356557760"/>
         <c:crosses val="autoZero"/>
         <c:auto val="1"/>
         <c:lblAlgn val="ctr"/>
@@ -5896,7 +5881,7 @@
         <c:noMultiLvlLbl val="0"/>
       </c:catAx>
       <c:valAx>
-        <c:axId val="468935304"/>
+        <c:axId val="356557760"/>
         <c:scaling>
           <c:orientation val="minMax"/>
         </c:scaling>
@@ -5952,7 +5937,7 @@
             <a:endParaRPr lang="es-ES"/>
           </a:p>
         </c:txPr>
-        <c:crossAx val="468936088"/>
+        <c:crossAx val="356557368"/>
         <c:crosses val="autoZero"/>
         <c:crossBetween val="between"/>
       </c:valAx>
@@ -5966,7 +5951,6 @@
     </c:plotArea>
     <c:legend>
       <c:legendPos val="b"/>
-      <c:layout/>
       <c:overlay val="0"/>
       <c:spPr>
         <a:noFill/>
@@ -34246,12 +34230,20 @@
               <a:t>usedCapacityVehicleInTime</a:t>
             </a:r>
             <a:r>
-              <a:rPr lang="en-US" dirty="0">
+              <a:rPr lang="en-US">
                 <a:solidFill>
                   <a:schemeClr val="tx2"/>
                 </a:solidFill>
               </a:rPr>
-              <a:t>   //for the constrain </a:t>
+              <a:t>   </a:t>
+            </a:r>
+            <a:r>
+              <a:rPr lang="en-US" smtClean="0">
+                <a:solidFill>
+                  <a:schemeClr val="tx2"/>
+                </a:solidFill>
+              </a:rPr>
+              <a:t>//constrain </a:t>
             </a:r>
             <a:r>
               <a:rPr lang="en-US" dirty="0" smtClean="0">
@@ -36517,15 +36509,23 @@
                   <a:schemeClr val="tx2"/>
                 </a:solidFill>
               </a:rPr>
-              <a:t>(0.. </a:t>
-            </a:r>
-            <a:r>
-              <a:rPr lang="en-US" sz="1800" dirty="0">
+              <a:t>(0</a:t>
+            </a:r>
+            <a:r>
+              <a:rPr lang="en-US" sz="1800" smtClean="0">
                 <a:solidFill>
                   <a:schemeClr val="tx2"/>
                 </a:solidFill>
               </a:rPr>
-              <a:t>timeslots)) </a:t>
+              <a:t>.. </a:t>
+            </a:r>
+            <a:r>
+              <a:rPr lang="en-US" sz="1800" smtClean="0">
+                <a:solidFill>
+                  <a:schemeClr val="tx2"/>
+                </a:solidFill>
+              </a:rPr>
+              <a:t>Timeslots-1)) </a:t>
             </a:r>
             <a:r>
               <a:rPr lang="en-US" sz="1800" b="1" dirty="0">
@@ -39807,6 +39807,141 @@
 </file>
 
 <file path=customXml/item1.xml><?xml version="1.0" encoding="utf-8"?>
+<?mso-contentType ?>
+<FormTemplates xmlns="http://schemas.microsoft.com/sharepoint/v3/contenttype/forms">
+  <Display>DocumentLibraryForm</Display>
+  <Edit>AssetEditForm</Edit>
+  <New>DocumentLibraryForm</New>
+</FormTemplates>
+</file>
+
+<file path=customXml/item2.xml><?xml version="1.0" encoding="utf-8"?>
+<p:properties xmlns:p="http://schemas.microsoft.com/office/2006/metadata/properties" xmlns:xsi="http://www.w3.org/2001/XMLSchema-instance" xmlns:pc="http://schemas.microsoft.com/office/infopath/2007/PartnerControls">
+  <documentManagement>
+    <APDescription xmlns="4873beb7-5857-4685-be1f-d57550cc96cc" xsi:nil="true"/>
+    <AssetExpire xmlns="4873beb7-5857-4685-be1f-d57550cc96cc">2029-01-01T08:00:00+00:00</AssetExpire>
+    <CampaignTagsTaxHTField0 xmlns="4873beb7-5857-4685-be1f-d57550cc96cc">
+      <Terms xmlns="http://schemas.microsoft.com/office/infopath/2007/PartnerControls"/>
+    </CampaignTagsTaxHTField0>
+    <IntlLangReviewDate xmlns="4873beb7-5857-4685-be1f-d57550cc96cc" xsi:nil="true"/>
+    <TPFriendlyName xmlns="4873beb7-5857-4685-be1f-d57550cc96cc" xsi:nil="true"/>
+    <IntlLangReview xmlns="4873beb7-5857-4685-be1f-d57550cc96cc">false</IntlLangReview>
+    <LocLastLocAttemptVersionLookup xmlns="4873beb7-5857-4685-be1f-d57550cc96cc">855024</LocLastLocAttemptVersionLookup>
+    <PolicheckWords xmlns="4873beb7-5857-4685-be1f-d57550cc96cc" xsi:nil="true"/>
+    <SubmitterId xmlns="4873beb7-5857-4685-be1f-d57550cc96cc" xsi:nil="true"/>
+    <AcquiredFrom xmlns="4873beb7-5857-4685-be1f-d57550cc96cc">Internal MS</AcquiredFrom>
+    <EditorialStatus xmlns="4873beb7-5857-4685-be1f-d57550cc96cc">Complete</EditorialStatus>
+    <Markets xmlns="4873beb7-5857-4685-be1f-d57550cc96cc"/>
+    <OriginAsset xmlns="4873beb7-5857-4685-be1f-d57550cc96cc" xsi:nil="true"/>
+    <AssetStart xmlns="4873beb7-5857-4685-be1f-d57550cc96cc">2012-08-31T08:50:00+00:00</AssetStart>
+    <FriendlyTitle xmlns="4873beb7-5857-4685-be1f-d57550cc96cc" xsi:nil="true"/>
+    <MarketSpecific xmlns="4873beb7-5857-4685-be1f-d57550cc96cc">false</MarketSpecific>
+    <TPNamespace xmlns="4873beb7-5857-4685-be1f-d57550cc96cc" xsi:nil="true"/>
+    <PublishStatusLookup xmlns="4873beb7-5857-4685-be1f-d57550cc96cc">
+      <Value>1616423</Value>
+    </PublishStatusLookup>
+    <APAuthor xmlns="4873beb7-5857-4685-be1f-d57550cc96cc">
+      <UserInfo>
+        <DisplayName>REDMOND\kristaa</DisplayName>
+        <AccountId>136</AccountId>
+        <AccountType/>
+      </UserInfo>
+    </APAuthor>
+    <TPCommandLine xmlns="4873beb7-5857-4685-be1f-d57550cc96cc" xsi:nil="true"/>
+    <IntlLangReviewer xmlns="4873beb7-5857-4685-be1f-d57550cc96cc" xsi:nil="true"/>
+    <OpenTemplate xmlns="4873beb7-5857-4685-be1f-d57550cc96cc">true</OpenTemplate>
+    <CSXSubmissionDate xmlns="4873beb7-5857-4685-be1f-d57550cc96cc" xsi:nil="true"/>
+    <TaxCatchAll xmlns="4873beb7-5857-4685-be1f-d57550cc96cc"/>
+    <Manager xmlns="4873beb7-5857-4685-be1f-d57550cc96cc" xsi:nil="true"/>
+    <NumericId xmlns="4873beb7-5857-4685-be1f-d57550cc96cc" xsi:nil="true"/>
+    <ParentAssetId xmlns="4873beb7-5857-4685-be1f-d57550cc96cc" xsi:nil="true"/>
+    <OriginalSourceMarket xmlns="4873beb7-5857-4685-be1f-d57550cc96cc" xsi:nil="true"/>
+    <ApprovalStatus xmlns="4873beb7-5857-4685-be1f-d57550cc96cc">InProgress</ApprovalStatus>
+    <TPComponent xmlns="4873beb7-5857-4685-be1f-d57550cc96cc" xsi:nil="true"/>
+    <EditorialTags xmlns="4873beb7-5857-4685-be1f-d57550cc96cc" xsi:nil="true"/>
+    <TPExecutable xmlns="4873beb7-5857-4685-be1f-d57550cc96cc" xsi:nil="true"/>
+    <TPLaunchHelpLink xmlns="4873beb7-5857-4685-be1f-d57550cc96cc" xsi:nil="true"/>
+    <LocComments xmlns="4873beb7-5857-4685-be1f-d57550cc96cc" xsi:nil="true"/>
+    <LocRecommendedHandoff xmlns="4873beb7-5857-4685-be1f-d57550cc96cc" xsi:nil="true"/>
+    <SourceTitle xmlns="4873beb7-5857-4685-be1f-d57550cc96cc" xsi:nil="true"/>
+    <CSXUpdate xmlns="4873beb7-5857-4685-be1f-d57550cc96cc">false</CSXUpdate>
+    <IntlLocPriority xmlns="4873beb7-5857-4685-be1f-d57550cc96cc" xsi:nil="true"/>
+    <UAProjectedTotalWords xmlns="4873beb7-5857-4685-be1f-d57550cc96cc" xsi:nil="true"/>
+    <AssetType xmlns="4873beb7-5857-4685-be1f-d57550cc96cc">TP</AssetType>
+    <MachineTranslated xmlns="4873beb7-5857-4685-be1f-d57550cc96cc">false</MachineTranslated>
+    <OutputCachingOn xmlns="4873beb7-5857-4685-be1f-d57550cc96cc">false</OutputCachingOn>
+    <TemplateStatus xmlns="4873beb7-5857-4685-be1f-d57550cc96cc">Complete</TemplateStatus>
+    <IsSearchable xmlns="4873beb7-5857-4685-be1f-d57550cc96cc">true</IsSearchable>
+    <ContentItem xmlns="4873beb7-5857-4685-be1f-d57550cc96cc" xsi:nil="true"/>
+    <HandoffToMSDN xmlns="4873beb7-5857-4685-be1f-d57550cc96cc" xsi:nil="true"/>
+    <ShowIn xmlns="4873beb7-5857-4685-be1f-d57550cc96cc">Show everywhere</ShowIn>
+    <ThumbnailAssetId xmlns="4873beb7-5857-4685-be1f-d57550cc96cc" xsi:nil="true"/>
+    <UALocComments xmlns="4873beb7-5857-4685-be1f-d57550cc96cc" xsi:nil="true"/>
+    <UALocRecommendation xmlns="4873beb7-5857-4685-be1f-d57550cc96cc">Localize</UALocRecommendation>
+    <LastModifiedDateTime xmlns="4873beb7-5857-4685-be1f-d57550cc96cc" xsi:nil="true"/>
+    <LegacyData xmlns="4873beb7-5857-4685-be1f-d57550cc96cc" xsi:nil="true"/>
+    <LocManualTestRequired xmlns="4873beb7-5857-4685-be1f-d57550cc96cc">false</LocManualTestRequired>
+    <LocMarketGroupTiers2 xmlns="4873beb7-5857-4685-be1f-d57550cc96cc" xsi:nil="true"/>
+    <ClipArtFilename xmlns="4873beb7-5857-4685-be1f-d57550cc96cc" xsi:nil="true"/>
+    <TPApplication xmlns="4873beb7-5857-4685-be1f-d57550cc96cc" xsi:nil="true"/>
+    <CSXHash xmlns="4873beb7-5857-4685-be1f-d57550cc96cc" xsi:nil="true"/>
+    <DirectSourceMarket xmlns="4873beb7-5857-4685-be1f-d57550cc96cc" xsi:nil="true"/>
+    <PrimaryImageGen xmlns="4873beb7-5857-4685-be1f-d57550cc96cc">true</PrimaryImageGen>
+    <PlannedPubDate xmlns="4873beb7-5857-4685-be1f-d57550cc96cc" xsi:nil="true"/>
+    <CSXSubmissionMarket xmlns="4873beb7-5857-4685-be1f-d57550cc96cc" xsi:nil="true"/>
+    <Downloads xmlns="4873beb7-5857-4685-be1f-d57550cc96cc">0</Downloads>
+    <ArtSampleDocs xmlns="4873beb7-5857-4685-be1f-d57550cc96cc" xsi:nil="true"/>
+    <TrustLevel xmlns="4873beb7-5857-4685-be1f-d57550cc96cc">1 Microsoft Managed Content</TrustLevel>
+    <BlockPublish xmlns="4873beb7-5857-4685-be1f-d57550cc96cc">false</BlockPublish>
+    <TPLaunchHelpLinkType xmlns="4873beb7-5857-4685-be1f-d57550cc96cc">Template</TPLaunchHelpLinkType>
+    <LocalizationTagsTaxHTField0 xmlns="4873beb7-5857-4685-be1f-d57550cc96cc">
+      <Terms xmlns="http://schemas.microsoft.com/office/infopath/2007/PartnerControls"/>
+    </LocalizationTagsTaxHTField0>
+    <BusinessGroup xmlns="4873beb7-5857-4685-be1f-d57550cc96cc" xsi:nil="true"/>
+    <Providers xmlns="4873beb7-5857-4685-be1f-d57550cc96cc" xsi:nil="true"/>
+    <TemplateTemplateType xmlns="4873beb7-5857-4685-be1f-d57550cc96cc">PowerPoint Presentation Template</TemplateTemplateType>
+    <TimesCloned xmlns="4873beb7-5857-4685-be1f-d57550cc96cc" xsi:nil="true"/>
+    <TPAppVersion xmlns="4873beb7-5857-4685-be1f-d57550cc96cc" xsi:nil="true"/>
+    <VoteCount xmlns="4873beb7-5857-4685-be1f-d57550cc96cc" xsi:nil="true"/>
+    <AverageRating xmlns="4873beb7-5857-4685-be1f-d57550cc96cc" xsi:nil="true"/>
+    <FeatureTagsTaxHTField0 xmlns="4873beb7-5857-4685-be1f-d57550cc96cc">
+      <Terms xmlns="http://schemas.microsoft.com/office/infopath/2007/PartnerControls"/>
+    </FeatureTagsTaxHTField0>
+    <Provider xmlns="4873beb7-5857-4685-be1f-d57550cc96cc" xsi:nil="true"/>
+    <UACurrentWords xmlns="4873beb7-5857-4685-be1f-d57550cc96cc" xsi:nil="true"/>
+    <AssetId xmlns="4873beb7-5857-4685-be1f-d57550cc96cc">TP103431361</AssetId>
+    <TPClientViewer xmlns="4873beb7-5857-4685-be1f-d57550cc96cc" xsi:nil="true"/>
+    <DSATActionTaken xmlns="4873beb7-5857-4685-be1f-d57550cc96cc" xsi:nil="true"/>
+    <APEditor xmlns="4873beb7-5857-4685-be1f-d57550cc96cc">
+      <UserInfo>
+        <DisplayName/>
+        <AccountId xsi:nil="true"/>
+        <AccountType/>
+      </UserInfo>
+    </APEditor>
+    <TPInstallLocation xmlns="4873beb7-5857-4685-be1f-d57550cc96cc" xsi:nil="true"/>
+    <OOCacheId xmlns="4873beb7-5857-4685-be1f-d57550cc96cc" xsi:nil="true"/>
+    <IsDeleted xmlns="4873beb7-5857-4685-be1f-d57550cc96cc">false</IsDeleted>
+    <PublishTargets xmlns="4873beb7-5857-4685-be1f-d57550cc96cc">OfficeOnlineVNext</PublishTargets>
+    <ApprovalLog xmlns="4873beb7-5857-4685-be1f-d57550cc96cc" xsi:nil="true"/>
+    <BugNumber xmlns="4873beb7-5857-4685-be1f-d57550cc96cc" xsi:nil="true"/>
+    <CrawlForDependencies xmlns="4873beb7-5857-4685-be1f-d57550cc96cc">false</CrawlForDependencies>
+    <InternalTagsTaxHTField0 xmlns="4873beb7-5857-4685-be1f-d57550cc96cc">
+      <Terms xmlns="http://schemas.microsoft.com/office/infopath/2007/PartnerControls"/>
+    </InternalTagsTaxHTField0>
+    <LastHandOff xmlns="4873beb7-5857-4685-be1f-d57550cc96cc" xsi:nil="true"/>
+    <Milestone xmlns="4873beb7-5857-4685-be1f-d57550cc96cc" xsi:nil="true"/>
+    <OriginalRelease xmlns="4873beb7-5857-4685-be1f-d57550cc96cc">15</OriginalRelease>
+    <RecommendationsModifier xmlns="4873beb7-5857-4685-be1f-d57550cc96cc" xsi:nil="true"/>
+    <ScenarioTagsTaxHTField0 xmlns="4873beb7-5857-4685-be1f-d57550cc96cc">
+      <Terms xmlns="http://schemas.microsoft.com/office/infopath/2007/PartnerControls"/>
+    </ScenarioTagsTaxHTField0>
+    <UANotes xmlns="4873beb7-5857-4685-be1f-d57550cc96cc" xsi:nil="true"/>
+  </documentManagement>
+</p:properties>
+</file>
+
+<file path=customXml/item3.xml><?xml version="1.0" encoding="utf-8"?>
 <ct:contentTypeSchema xmlns:ct="http://schemas.microsoft.com/office/2006/metadata/contentType" xmlns:ma="http://schemas.microsoft.com/office/2006/metadata/properties/metaAttributes" ct:_="" ma:_="" ma:contentTypeName="TemplateFile" ma:contentTypeID="0x0101006EDDDB5EE6D98C44930B742096920B300400F5B6D36B3EF94B4E9A635CDF2A18F5B8" ma:contentTypeVersion="72" ma:contentTypeDescription="Create a new document." ma:contentTypeScope="" ma:versionID="a23e56308344d904b51738559c3d67c9">
   <xsd:schema xmlns:xsd="http://www.w3.org/2001/XMLSchema" xmlns:xs="http://www.w3.org/2001/XMLSchema" xmlns:p="http://schemas.microsoft.com/office/2006/metadata/properties" xmlns:ns2="4873beb7-5857-4685-be1f-d57550cc96cc" targetNamespace="http://schemas.microsoft.com/office/2006/metadata/properties" ma:root="true" ma:fieldsID="cd0908cc4600e77bf5da051303e00c8d" ns2:_="">
     <xsd:import namespace="4873beb7-5857-4685-be1f-d57550cc96cc"/>
@@ -40846,142 +40981,31 @@
 </ct:contentTypeSchema>
 </file>
 
-<file path=customXml/item2.xml><?xml version="1.0" encoding="utf-8"?>
-<?mso-contentType ?>
-<FormTemplates xmlns="http://schemas.microsoft.com/sharepoint/v3/contenttype/forms">
-  <Display>DocumentLibraryForm</Display>
-  <Edit>AssetEditForm</Edit>
-  <New>DocumentLibraryForm</New>
-</FormTemplates>
+<file path=customXml/itemProps1.xml><?xml version="1.0" encoding="utf-8"?>
+<ds:datastoreItem xmlns:ds="http://schemas.openxmlformats.org/officeDocument/2006/customXml" ds:itemID="{561E720F-F05D-4536-9C34-0CFCED65D3B7}">
+  <ds:schemaRefs>
+    <ds:schemaRef ds:uri="http://schemas.microsoft.com/sharepoint/v3/contenttype/forms"/>
+  </ds:schemaRefs>
+</ds:datastoreItem>
 </file>
 
-<file path=customXml/item3.xml><?xml version="1.0" encoding="utf-8"?>
-<p:properties xmlns:p="http://schemas.microsoft.com/office/2006/metadata/properties" xmlns:xsi="http://www.w3.org/2001/XMLSchema-instance" xmlns:pc="http://schemas.microsoft.com/office/infopath/2007/PartnerControls">
-  <documentManagement>
-    <APDescription xmlns="4873beb7-5857-4685-be1f-d57550cc96cc" xsi:nil="true"/>
-    <AssetExpire xmlns="4873beb7-5857-4685-be1f-d57550cc96cc">2029-01-01T08:00:00+00:00</AssetExpire>
-    <CampaignTagsTaxHTField0 xmlns="4873beb7-5857-4685-be1f-d57550cc96cc">
-      <Terms xmlns="http://schemas.microsoft.com/office/infopath/2007/PartnerControls"/>
-    </CampaignTagsTaxHTField0>
-    <IntlLangReviewDate xmlns="4873beb7-5857-4685-be1f-d57550cc96cc" xsi:nil="true"/>
-    <TPFriendlyName xmlns="4873beb7-5857-4685-be1f-d57550cc96cc" xsi:nil="true"/>
-    <IntlLangReview xmlns="4873beb7-5857-4685-be1f-d57550cc96cc">false</IntlLangReview>
-    <LocLastLocAttemptVersionLookup xmlns="4873beb7-5857-4685-be1f-d57550cc96cc">855024</LocLastLocAttemptVersionLookup>
-    <PolicheckWords xmlns="4873beb7-5857-4685-be1f-d57550cc96cc" xsi:nil="true"/>
-    <SubmitterId xmlns="4873beb7-5857-4685-be1f-d57550cc96cc" xsi:nil="true"/>
-    <AcquiredFrom xmlns="4873beb7-5857-4685-be1f-d57550cc96cc">Internal MS</AcquiredFrom>
-    <EditorialStatus xmlns="4873beb7-5857-4685-be1f-d57550cc96cc">Complete</EditorialStatus>
-    <Markets xmlns="4873beb7-5857-4685-be1f-d57550cc96cc"/>
-    <OriginAsset xmlns="4873beb7-5857-4685-be1f-d57550cc96cc" xsi:nil="true"/>
-    <AssetStart xmlns="4873beb7-5857-4685-be1f-d57550cc96cc">2012-08-31T08:50:00+00:00</AssetStart>
-    <FriendlyTitle xmlns="4873beb7-5857-4685-be1f-d57550cc96cc" xsi:nil="true"/>
-    <MarketSpecific xmlns="4873beb7-5857-4685-be1f-d57550cc96cc">false</MarketSpecific>
-    <TPNamespace xmlns="4873beb7-5857-4685-be1f-d57550cc96cc" xsi:nil="true"/>
-    <PublishStatusLookup xmlns="4873beb7-5857-4685-be1f-d57550cc96cc">
-      <Value>1616423</Value>
-    </PublishStatusLookup>
-    <APAuthor xmlns="4873beb7-5857-4685-be1f-d57550cc96cc">
-      <UserInfo>
-        <DisplayName>REDMOND\kristaa</DisplayName>
-        <AccountId>136</AccountId>
-        <AccountType/>
-      </UserInfo>
-    </APAuthor>
-    <TPCommandLine xmlns="4873beb7-5857-4685-be1f-d57550cc96cc" xsi:nil="true"/>
-    <IntlLangReviewer xmlns="4873beb7-5857-4685-be1f-d57550cc96cc" xsi:nil="true"/>
-    <OpenTemplate xmlns="4873beb7-5857-4685-be1f-d57550cc96cc">true</OpenTemplate>
-    <CSXSubmissionDate xmlns="4873beb7-5857-4685-be1f-d57550cc96cc" xsi:nil="true"/>
-    <TaxCatchAll xmlns="4873beb7-5857-4685-be1f-d57550cc96cc"/>
-    <Manager xmlns="4873beb7-5857-4685-be1f-d57550cc96cc" xsi:nil="true"/>
-    <NumericId xmlns="4873beb7-5857-4685-be1f-d57550cc96cc" xsi:nil="true"/>
-    <ParentAssetId xmlns="4873beb7-5857-4685-be1f-d57550cc96cc" xsi:nil="true"/>
-    <OriginalSourceMarket xmlns="4873beb7-5857-4685-be1f-d57550cc96cc" xsi:nil="true"/>
-    <ApprovalStatus xmlns="4873beb7-5857-4685-be1f-d57550cc96cc">InProgress</ApprovalStatus>
-    <TPComponent xmlns="4873beb7-5857-4685-be1f-d57550cc96cc" xsi:nil="true"/>
-    <EditorialTags xmlns="4873beb7-5857-4685-be1f-d57550cc96cc" xsi:nil="true"/>
-    <TPExecutable xmlns="4873beb7-5857-4685-be1f-d57550cc96cc" xsi:nil="true"/>
-    <TPLaunchHelpLink xmlns="4873beb7-5857-4685-be1f-d57550cc96cc" xsi:nil="true"/>
-    <LocComments xmlns="4873beb7-5857-4685-be1f-d57550cc96cc" xsi:nil="true"/>
-    <LocRecommendedHandoff xmlns="4873beb7-5857-4685-be1f-d57550cc96cc" xsi:nil="true"/>
-    <SourceTitle xmlns="4873beb7-5857-4685-be1f-d57550cc96cc" xsi:nil="true"/>
-    <CSXUpdate xmlns="4873beb7-5857-4685-be1f-d57550cc96cc">false</CSXUpdate>
-    <IntlLocPriority xmlns="4873beb7-5857-4685-be1f-d57550cc96cc" xsi:nil="true"/>
-    <UAProjectedTotalWords xmlns="4873beb7-5857-4685-be1f-d57550cc96cc" xsi:nil="true"/>
-    <AssetType xmlns="4873beb7-5857-4685-be1f-d57550cc96cc">TP</AssetType>
-    <MachineTranslated xmlns="4873beb7-5857-4685-be1f-d57550cc96cc">false</MachineTranslated>
-    <OutputCachingOn xmlns="4873beb7-5857-4685-be1f-d57550cc96cc">false</OutputCachingOn>
-    <TemplateStatus xmlns="4873beb7-5857-4685-be1f-d57550cc96cc">Complete</TemplateStatus>
-    <IsSearchable xmlns="4873beb7-5857-4685-be1f-d57550cc96cc">true</IsSearchable>
-    <ContentItem xmlns="4873beb7-5857-4685-be1f-d57550cc96cc" xsi:nil="true"/>
-    <HandoffToMSDN xmlns="4873beb7-5857-4685-be1f-d57550cc96cc" xsi:nil="true"/>
-    <ShowIn xmlns="4873beb7-5857-4685-be1f-d57550cc96cc">Show everywhere</ShowIn>
-    <ThumbnailAssetId xmlns="4873beb7-5857-4685-be1f-d57550cc96cc" xsi:nil="true"/>
-    <UALocComments xmlns="4873beb7-5857-4685-be1f-d57550cc96cc" xsi:nil="true"/>
-    <UALocRecommendation xmlns="4873beb7-5857-4685-be1f-d57550cc96cc">Localize</UALocRecommendation>
-    <LastModifiedDateTime xmlns="4873beb7-5857-4685-be1f-d57550cc96cc" xsi:nil="true"/>
-    <LegacyData xmlns="4873beb7-5857-4685-be1f-d57550cc96cc" xsi:nil="true"/>
-    <LocManualTestRequired xmlns="4873beb7-5857-4685-be1f-d57550cc96cc">false</LocManualTestRequired>
-    <LocMarketGroupTiers2 xmlns="4873beb7-5857-4685-be1f-d57550cc96cc" xsi:nil="true"/>
-    <ClipArtFilename xmlns="4873beb7-5857-4685-be1f-d57550cc96cc" xsi:nil="true"/>
-    <TPApplication xmlns="4873beb7-5857-4685-be1f-d57550cc96cc" xsi:nil="true"/>
-    <CSXHash xmlns="4873beb7-5857-4685-be1f-d57550cc96cc" xsi:nil="true"/>
-    <DirectSourceMarket xmlns="4873beb7-5857-4685-be1f-d57550cc96cc" xsi:nil="true"/>
-    <PrimaryImageGen xmlns="4873beb7-5857-4685-be1f-d57550cc96cc">true</PrimaryImageGen>
-    <PlannedPubDate xmlns="4873beb7-5857-4685-be1f-d57550cc96cc" xsi:nil="true"/>
-    <CSXSubmissionMarket xmlns="4873beb7-5857-4685-be1f-d57550cc96cc" xsi:nil="true"/>
-    <Downloads xmlns="4873beb7-5857-4685-be1f-d57550cc96cc">0</Downloads>
-    <ArtSampleDocs xmlns="4873beb7-5857-4685-be1f-d57550cc96cc" xsi:nil="true"/>
-    <TrustLevel xmlns="4873beb7-5857-4685-be1f-d57550cc96cc">1 Microsoft Managed Content</TrustLevel>
-    <BlockPublish xmlns="4873beb7-5857-4685-be1f-d57550cc96cc">false</BlockPublish>
-    <TPLaunchHelpLinkType xmlns="4873beb7-5857-4685-be1f-d57550cc96cc">Template</TPLaunchHelpLinkType>
-    <LocalizationTagsTaxHTField0 xmlns="4873beb7-5857-4685-be1f-d57550cc96cc">
-      <Terms xmlns="http://schemas.microsoft.com/office/infopath/2007/PartnerControls"/>
-    </LocalizationTagsTaxHTField0>
-    <BusinessGroup xmlns="4873beb7-5857-4685-be1f-d57550cc96cc" xsi:nil="true"/>
-    <Providers xmlns="4873beb7-5857-4685-be1f-d57550cc96cc" xsi:nil="true"/>
-    <TemplateTemplateType xmlns="4873beb7-5857-4685-be1f-d57550cc96cc">PowerPoint Presentation Template</TemplateTemplateType>
-    <TimesCloned xmlns="4873beb7-5857-4685-be1f-d57550cc96cc" xsi:nil="true"/>
-    <TPAppVersion xmlns="4873beb7-5857-4685-be1f-d57550cc96cc" xsi:nil="true"/>
-    <VoteCount xmlns="4873beb7-5857-4685-be1f-d57550cc96cc" xsi:nil="true"/>
-    <AverageRating xmlns="4873beb7-5857-4685-be1f-d57550cc96cc" xsi:nil="true"/>
-    <FeatureTagsTaxHTField0 xmlns="4873beb7-5857-4685-be1f-d57550cc96cc">
-      <Terms xmlns="http://schemas.microsoft.com/office/infopath/2007/PartnerControls"/>
-    </FeatureTagsTaxHTField0>
-    <Provider xmlns="4873beb7-5857-4685-be1f-d57550cc96cc" xsi:nil="true"/>
-    <UACurrentWords xmlns="4873beb7-5857-4685-be1f-d57550cc96cc" xsi:nil="true"/>
-    <AssetId xmlns="4873beb7-5857-4685-be1f-d57550cc96cc">TP103431361</AssetId>
-    <TPClientViewer xmlns="4873beb7-5857-4685-be1f-d57550cc96cc" xsi:nil="true"/>
-    <DSATActionTaken xmlns="4873beb7-5857-4685-be1f-d57550cc96cc" xsi:nil="true"/>
-    <APEditor xmlns="4873beb7-5857-4685-be1f-d57550cc96cc">
-      <UserInfo>
-        <DisplayName/>
-        <AccountId xsi:nil="true"/>
-        <AccountType/>
-      </UserInfo>
-    </APEditor>
-    <TPInstallLocation xmlns="4873beb7-5857-4685-be1f-d57550cc96cc" xsi:nil="true"/>
-    <OOCacheId xmlns="4873beb7-5857-4685-be1f-d57550cc96cc" xsi:nil="true"/>
-    <IsDeleted xmlns="4873beb7-5857-4685-be1f-d57550cc96cc">false</IsDeleted>
-    <PublishTargets xmlns="4873beb7-5857-4685-be1f-d57550cc96cc">OfficeOnlineVNext</PublishTargets>
-    <ApprovalLog xmlns="4873beb7-5857-4685-be1f-d57550cc96cc" xsi:nil="true"/>
-    <BugNumber xmlns="4873beb7-5857-4685-be1f-d57550cc96cc" xsi:nil="true"/>
-    <CrawlForDependencies xmlns="4873beb7-5857-4685-be1f-d57550cc96cc">false</CrawlForDependencies>
-    <InternalTagsTaxHTField0 xmlns="4873beb7-5857-4685-be1f-d57550cc96cc">
-      <Terms xmlns="http://schemas.microsoft.com/office/infopath/2007/PartnerControls"/>
-    </InternalTagsTaxHTField0>
-    <LastHandOff xmlns="4873beb7-5857-4685-be1f-d57550cc96cc" xsi:nil="true"/>
-    <Milestone xmlns="4873beb7-5857-4685-be1f-d57550cc96cc" xsi:nil="true"/>
-    <OriginalRelease xmlns="4873beb7-5857-4685-be1f-d57550cc96cc">15</OriginalRelease>
-    <RecommendationsModifier xmlns="4873beb7-5857-4685-be1f-d57550cc96cc" xsi:nil="true"/>
-    <ScenarioTagsTaxHTField0 xmlns="4873beb7-5857-4685-be1f-d57550cc96cc">
-      <Terms xmlns="http://schemas.microsoft.com/office/infopath/2007/PartnerControls"/>
-    </ScenarioTagsTaxHTField0>
-    <UANotes xmlns="4873beb7-5857-4685-be1f-d57550cc96cc" xsi:nil="true"/>
-  </documentManagement>
-</p:properties>
+<file path=customXml/itemProps2.xml><?xml version="1.0" encoding="utf-8"?>
+<ds:datastoreItem xmlns:ds="http://schemas.openxmlformats.org/officeDocument/2006/customXml" ds:itemID="{8CDDBB83-77C1-4099-A0AA-289882E745E2}">
+  <ds:schemaRefs>
+    <ds:schemaRef ds:uri="http://schemas.microsoft.com/office/2006/metadata/properties"/>
+    <ds:schemaRef ds:uri="http://schemas.microsoft.com/office/2006/documentManagement/types"/>
+    <ds:schemaRef ds:uri="http://purl.org/dc/elements/1.1/"/>
+    <ds:schemaRef ds:uri="http://schemas.openxmlformats.org/package/2006/metadata/core-properties"/>
+    <ds:schemaRef ds:uri="4873beb7-5857-4685-be1f-d57550cc96cc"/>
+    <ds:schemaRef ds:uri="http://schemas.microsoft.com/office/infopath/2007/PartnerControls"/>
+    <ds:schemaRef ds:uri="http://purl.org/dc/dcmitype/"/>
+    <ds:schemaRef ds:uri="http://purl.org/dc/terms/"/>
+    <ds:schemaRef ds:uri="http://www.w3.org/XML/1998/namespace"/>
+  </ds:schemaRefs>
+</ds:datastoreItem>
 </file>
 
-<file path=customXml/itemProps1.xml><?xml version="1.0" encoding="utf-8"?>
+<file path=customXml/itemProps3.xml><?xml version="1.0" encoding="utf-8"?>
 <ds:datastoreItem xmlns:ds="http://schemas.openxmlformats.org/officeDocument/2006/customXml" ds:itemID="{28C8B9CA-0273-4370-889A-FC05DA5C2FA5}">
   <ds:schemaRefs>
     <ds:schemaRef ds:uri="http://schemas.microsoft.com/office/2006/metadata/contentType"/>
@@ -40997,28 +41021,4 @@
     <ds:schemaRef ds:uri="http://schemas.microsoft.com/internal/obd"/>
   </ds:schemaRefs>
 </ds:datastoreItem>
-</file>
-
-<file path=customXml/itemProps2.xml><?xml version="1.0" encoding="utf-8"?>
-<ds:datastoreItem xmlns:ds="http://schemas.openxmlformats.org/officeDocument/2006/customXml" ds:itemID="{561E720F-F05D-4536-9C34-0CFCED65D3B7}">
-  <ds:schemaRefs>
-    <ds:schemaRef ds:uri="http://schemas.microsoft.com/sharepoint/v3/contenttype/forms"/>
-  </ds:schemaRefs>
-</ds:datastoreItem>
-</file>
-
-<file path=customXml/itemProps3.xml><?xml version="1.0" encoding="utf-8"?>
-<ds:datastoreItem xmlns:ds="http://schemas.openxmlformats.org/officeDocument/2006/customXml" ds:itemID="{8CDDBB83-77C1-4099-A0AA-289882E745E2}">
-  <ds:schemaRefs>
-    <ds:schemaRef ds:uri="http://schemas.microsoft.com/office/2006/metadata/properties"/>
-    <ds:schemaRef ds:uri="http://schemas.microsoft.com/office/2006/documentManagement/types"/>
-    <ds:schemaRef ds:uri="http://purl.org/dc/elements/1.1/"/>
-    <ds:schemaRef ds:uri="http://schemas.openxmlformats.org/package/2006/metadata/core-properties"/>
-    <ds:schemaRef ds:uri="4873beb7-5857-4685-be1f-d57550cc96cc"/>
-    <ds:schemaRef ds:uri="http://schemas.microsoft.com/office/infopath/2007/PartnerControls"/>
-    <ds:schemaRef ds:uri="http://purl.org/dc/dcmitype/"/>
-    <ds:schemaRef ds:uri="http://purl.org/dc/terms/"/>
-    <ds:schemaRef ds:uri="http://www.w3.org/XML/1998/namespace"/>
-  </ds:schemaRefs>
-</ds:datastoreItem>
 </file>